--- a/Presentation1.pptx
+++ b/Presentation1.pptx
@@ -107,6 +107,11 @@
       </a:defRPr>
     </a:lvl9pPr>
   </p:defaultTextStyle>
+  <p:extLst>
+    <p:ext uri="{EFAFB233-063F-42B5-8137-9DF3F51BA10A}">
+      <p15:sldGuideLst xmlns:p15="http://schemas.microsoft.com/office/powerpoint/2012/main"/>
+    </p:ext>
+  </p:extLst>
 </p:presentation>
 </file>
 
@@ -241,7 +246,7 @@
           <a:p>
             <a:fld id="{0642CF3C-AC76-CF49-AF79-743BAB8B9794}" type="datetimeFigureOut">
               <a:rPr lang="en-US" smtClean="0"/>
-              <a:t>3/24/17</a:t>
+              <a:t>3/31/17</a:t>
             </a:fld>
             <a:endParaRPr lang="en-US"/>
           </a:p>
@@ -411,7 +416,7 @@
           <a:p>
             <a:fld id="{0642CF3C-AC76-CF49-AF79-743BAB8B9794}" type="datetimeFigureOut">
               <a:rPr lang="en-US" smtClean="0"/>
-              <a:t>3/24/17</a:t>
+              <a:t>3/31/17</a:t>
             </a:fld>
             <a:endParaRPr lang="en-US"/>
           </a:p>
@@ -591,7 +596,7 @@
           <a:p>
             <a:fld id="{0642CF3C-AC76-CF49-AF79-743BAB8B9794}" type="datetimeFigureOut">
               <a:rPr lang="en-US" smtClean="0"/>
-              <a:t>3/24/17</a:t>
+              <a:t>3/31/17</a:t>
             </a:fld>
             <a:endParaRPr lang="en-US"/>
           </a:p>
@@ -761,7 +766,7 @@
           <a:p>
             <a:fld id="{0642CF3C-AC76-CF49-AF79-743BAB8B9794}" type="datetimeFigureOut">
               <a:rPr lang="en-US" smtClean="0"/>
-              <a:t>3/24/17</a:t>
+              <a:t>3/31/17</a:t>
             </a:fld>
             <a:endParaRPr lang="en-US"/>
           </a:p>
@@ -1007,7 +1012,7 @@
           <a:p>
             <a:fld id="{0642CF3C-AC76-CF49-AF79-743BAB8B9794}" type="datetimeFigureOut">
               <a:rPr lang="en-US" smtClean="0"/>
-              <a:t>3/24/17</a:t>
+              <a:t>3/31/17</a:t>
             </a:fld>
             <a:endParaRPr lang="en-US"/>
           </a:p>
@@ -1239,7 +1244,7 @@
           <a:p>
             <a:fld id="{0642CF3C-AC76-CF49-AF79-743BAB8B9794}" type="datetimeFigureOut">
               <a:rPr lang="en-US" smtClean="0"/>
-              <a:t>3/24/17</a:t>
+              <a:t>3/31/17</a:t>
             </a:fld>
             <a:endParaRPr lang="en-US"/>
           </a:p>
@@ -1606,7 +1611,7 @@
           <a:p>
             <a:fld id="{0642CF3C-AC76-CF49-AF79-743BAB8B9794}" type="datetimeFigureOut">
               <a:rPr lang="en-US" smtClean="0"/>
-              <a:t>3/24/17</a:t>
+              <a:t>3/31/17</a:t>
             </a:fld>
             <a:endParaRPr lang="en-US"/>
           </a:p>
@@ -1724,7 +1729,7 @@
           <a:p>
             <a:fld id="{0642CF3C-AC76-CF49-AF79-743BAB8B9794}" type="datetimeFigureOut">
               <a:rPr lang="en-US" smtClean="0"/>
-              <a:t>3/24/17</a:t>
+              <a:t>3/31/17</a:t>
             </a:fld>
             <a:endParaRPr lang="en-US"/>
           </a:p>
@@ -1819,7 +1824,7 @@
           <a:p>
             <a:fld id="{0642CF3C-AC76-CF49-AF79-743BAB8B9794}" type="datetimeFigureOut">
               <a:rPr lang="en-US" smtClean="0"/>
-              <a:t>3/24/17</a:t>
+              <a:t>3/31/17</a:t>
             </a:fld>
             <a:endParaRPr lang="en-US"/>
           </a:p>
@@ -2096,7 +2101,7 @@
           <a:p>
             <a:fld id="{0642CF3C-AC76-CF49-AF79-743BAB8B9794}" type="datetimeFigureOut">
               <a:rPr lang="en-US" smtClean="0"/>
-              <a:t>3/24/17</a:t>
+              <a:t>3/31/17</a:t>
             </a:fld>
             <a:endParaRPr lang="en-US"/>
           </a:p>
@@ -2349,7 +2354,7 @@
           <a:p>
             <a:fld id="{0642CF3C-AC76-CF49-AF79-743BAB8B9794}" type="datetimeFigureOut">
               <a:rPr lang="en-US" smtClean="0"/>
-              <a:t>3/24/17</a:t>
+              <a:t>3/31/17</a:t>
             </a:fld>
             <a:endParaRPr lang="en-US"/>
           </a:p>
@@ -2562,7 +2567,7 @@
           <a:p>
             <a:fld id="{0642CF3C-AC76-CF49-AF79-743BAB8B9794}" type="datetimeFigureOut">
               <a:rPr lang="en-US" smtClean="0"/>
-              <a:t>3/24/17</a:t>
+              <a:t>3/31/17</a:t>
             </a:fld>
             <a:endParaRPr lang="en-US"/>
           </a:p>
@@ -3437,6 +3442,30 @@
           <a:chExt cx="0" cy="0"/>
         </a:xfrm>
       </p:grpSpPr>
+      <p:pic>
+        <p:nvPicPr>
+          <p:cNvPr id="2" name="Picture 1"/>
+          <p:cNvPicPr>
+            <a:picLocks noChangeAspect="1"/>
+          </p:cNvPicPr>
+          <p:nvPr/>
+        </p:nvPicPr>
+        <p:blipFill>
+          <a:blip r:embed="rId2"/>
+          <a:stretch>
+            <a:fillRect/>
+          </a:stretch>
+        </p:blipFill>
+        <p:spPr>
+          <a:xfrm>
+            <a:off x="1646188" y="0"/>
+            <a:ext cx="8899624" cy="6858000"/>
+          </a:xfrm>
+          <a:prstGeom prst="rect">
+            <a:avLst/>
+          </a:prstGeom>
+        </p:spPr>
+      </p:pic>
       <p:grpSp>
         <p:nvGrpSpPr>
           <p:cNvPr id="4" name="Group 3"/>
@@ -3445,36 +3474,12 @@
         </p:nvGrpSpPr>
         <p:grpSpPr>
           <a:xfrm>
-            <a:off x="1761157" y="0"/>
-            <a:ext cx="8669686" cy="6858000"/>
-            <a:chOff x="1761157" y="0"/>
-            <a:chExt cx="8669686" cy="6858000"/>
+            <a:off x="4114800" y="1618496"/>
+            <a:ext cx="4575962" cy="3042404"/>
+            <a:chOff x="4114800" y="1618496"/>
+            <a:chExt cx="4575962" cy="3042404"/>
           </a:xfrm>
         </p:grpSpPr>
-        <p:pic>
-          <p:nvPicPr>
-            <p:cNvPr id="5" name="Picture 4"/>
-            <p:cNvPicPr>
-              <a:picLocks noChangeAspect="1"/>
-            </p:cNvPicPr>
-            <p:nvPr/>
-          </p:nvPicPr>
-          <p:blipFill>
-            <a:blip r:embed="rId2"/>
-            <a:stretch>
-              <a:fillRect/>
-            </a:stretch>
-          </p:blipFill>
-          <p:spPr>
-            <a:xfrm>
-              <a:off x="1761157" y="0"/>
-              <a:ext cx="8669686" cy="6858000"/>
-            </a:xfrm>
-            <a:prstGeom prst="rect">
-              <a:avLst/>
-            </a:prstGeom>
-          </p:spPr>
-        </p:pic>
         <p:sp>
           <p:nvSpPr>
             <p:cNvPr id="6" name="Oval 5"/>
@@ -3587,8 +3592,8 @@
           </p:nvSpPr>
           <p:spPr>
             <a:xfrm>
-              <a:off x="6761665" y="1789668"/>
-              <a:ext cx="1284870" cy="369332"/>
+              <a:off x="6464300" y="1622048"/>
+              <a:ext cx="2226462" cy="523220"/>
             </a:xfrm>
             <a:prstGeom prst="rect">
               <a:avLst/>
@@ -3602,13 +3607,26 @@
             <a:lstStyle/>
             <a:p>
               <a:r>
-                <a:rPr lang="en-US" dirty="0" smtClean="0">
+                <a:rPr lang="en-US" sz="2800" b="1" dirty="0" smtClean="0">
                   <a:solidFill>
                     <a:srgbClr val="0300FF"/>
                   </a:solidFill>
                 </a:rPr>
-                <a:t>Team 1 Win</a:t>
+                <a:t>Team 1 </a:t>
               </a:r>
+              <a:r>
+                <a:rPr lang="en-US" sz="2800" b="1" dirty="0" smtClean="0">
+                  <a:solidFill>
+                    <a:srgbClr val="0300FF"/>
+                  </a:solidFill>
+                </a:rPr>
+                <a:t>Wins</a:t>
+              </a:r>
+              <a:endParaRPr lang="en-US" sz="2800" b="1" dirty="0" smtClean="0">
+                <a:solidFill>
+                  <a:srgbClr val="0300FF"/>
+                </a:solidFill>
+              </a:endParaRPr>
             </a:p>
           </p:txBody>
         </p:sp>
@@ -3620,8 +3638,8 @@
           </p:nvSpPr>
           <p:spPr>
             <a:xfrm>
-              <a:off x="4636327" y="1789668"/>
-              <a:ext cx="1361660" cy="369332"/>
+              <a:off x="4114800" y="1618496"/>
+              <a:ext cx="2142157" cy="523220"/>
             </a:xfrm>
             <a:prstGeom prst="rect">
               <a:avLst/>
@@ -3635,13 +3653,34 @@
             <a:lstStyle/>
             <a:p>
               <a:r>
-                <a:rPr lang="en-US" dirty="0" smtClean="0">
+                <a:rPr lang="en-US" sz="2800" b="1" dirty="0" smtClean="0">
                   <a:solidFill>
                     <a:srgbClr val="FF0000"/>
                   </a:solidFill>
                 </a:rPr>
-                <a:t>Team 1 Lose</a:t>
+                <a:t>Team </a:t>
               </a:r>
+              <a:r>
+                <a:rPr lang="en-US" sz="2800" b="1" smtClean="0">
+                  <a:solidFill>
+                    <a:srgbClr val="FF0000"/>
+                  </a:solidFill>
+                </a:rPr>
+                <a:t>1 </a:t>
+              </a:r>
+              <a:r>
+                <a:rPr lang="en-US" sz="2800" b="1" smtClean="0">
+                  <a:solidFill>
+                    <a:srgbClr val="FF0000"/>
+                  </a:solidFill>
+                </a:rPr>
+                <a:t>Loses</a:t>
+              </a:r>
+              <a:endParaRPr lang="en-US" sz="2800" b="1" dirty="0" smtClean="0">
+                <a:solidFill>
+                  <a:srgbClr val="FF0000"/>
+                </a:solidFill>
+              </a:endParaRPr>
             </a:p>
           </p:txBody>
         </p:sp>
